--- a/client/public/images/View 4 - trade shares.pptx
+++ b/client/public/images/View 4 - trade shares.pptx
@@ -288,7 +288,7 @@
           <a:p>
             <a:fld id="{B2BA04CD-E4C4-AC47-ADBA-159240DACBC7}" type="datetimeFigureOut">
               <a:rPr lang="en-US" smtClean="0"/>
-              <a:t>26/10/18</a:t>
+              <a:t>28/10/18</a:t>
             </a:fld>
             <a:endParaRPr lang="en-US"/>
           </a:p>
@@ -458,7 +458,7 @@
           <a:p>
             <a:fld id="{B2BA04CD-E4C4-AC47-ADBA-159240DACBC7}" type="datetimeFigureOut">
               <a:rPr lang="en-US" smtClean="0"/>
-              <a:t>26/10/18</a:t>
+              <a:t>28/10/18</a:t>
             </a:fld>
             <a:endParaRPr lang="en-US"/>
           </a:p>
@@ -638,7 +638,7 @@
           <a:p>
             <a:fld id="{B2BA04CD-E4C4-AC47-ADBA-159240DACBC7}" type="datetimeFigureOut">
               <a:rPr lang="en-US" smtClean="0"/>
-              <a:t>26/10/18</a:t>
+              <a:t>28/10/18</a:t>
             </a:fld>
             <a:endParaRPr lang="en-US"/>
           </a:p>
@@ -808,7 +808,7 @@
           <a:p>
             <a:fld id="{B2BA04CD-E4C4-AC47-ADBA-159240DACBC7}" type="datetimeFigureOut">
               <a:rPr lang="en-US" smtClean="0"/>
-              <a:t>26/10/18</a:t>
+              <a:t>28/10/18</a:t>
             </a:fld>
             <a:endParaRPr lang="en-US"/>
           </a:p>
@@ -1054,7 +1054,7 @@
           <a:p>
             <a:fld id="{B2BA04CD-E4C4-AC47-ADBA-159240DACBC7}" type="datetimeFigureOut">
               <a:rPr lang="en-US" smtClean="0"/>
-              <a:t>26/10/18</a:t>
+              <a:t>28/10/18</a:t>
             </a:fld>
             <a:endParaRPr lang="en-US"/>
           </a:p>
@@ -1342,7 +1342,7 @@
           <a:p>
             <a:fld id="{B2BA04CD-E4C4-AC47-ADBA-159240DACBC7}" type="datetimeFigureOut">
               <a:rPr lang="en-US" smtClean="0"/>
-              <a:t>26/10/18</a:t>
+              <a:t>28/10/18</a:t>
             </a:fld>
             <a:endParaRPr lang="en-US"/>
           </a:p>
@@ -1764,7 +1764,7 @@
           <a:p>
             <a:fld id="{B2BA04CD-E4C4-AC47-ADBA-159240DACBC7}" type="datetimeFigureOut">
               <a:rPr lang="en-US" smtClean="0"/>
-              <a:t>26/10/18</a:t>
+              <a:t>28/10/18</a:t>
             </a:fld>
             <a:endParaRPr lang="en-US"/>
           </a:p>
@@ -1882,7 +1882,7 @@
           <a:p>
             <a:fld id="{B2BA04CD-E4C4-AC47-ADBA-159240DACBC7}" type="datetimeFigureOut">
               <a:rPr lang="en-US" smtClean="0"/>
-              <a:t>26/10/18</a:t>
+              <a:t>28/10/18</a:t>
             </a:fld>
             <a:endParaRPr lang="en-US"/>
           </a:p>
@@ -1977,7 +1977,7 @@
           <a:p>
             <a:fld id="{B2BA04CD-E4C4-AC47-ADBA-159240DACBC7}" type="datetimeFigureOut">
               <a:rPr lang="en-US" smtClean="0"/>
-              <a:t>26/10/18</a:t>
+              <a:t>28/10/18</a:t>
             </a:fld>
             <a:endParaRPr lang="en-US"/>
           </a:p>
@@ -2254,7 +2254,7 @@
           <a:p>
             <a:fld id="{B2BA04CD-E4C4-AC47-ADBA-159240DACBC7}" type="datetimeFigureOut">
               <a:rPr lang="en-US" smtClean="0"/>
-              <a:t>26/10/18</a:t>
+              <a:t>28/10/18</a:t>
             </a:fld>
             <a:endParaRPr lang="en-US"/>
           </a:p>
@@ -2507,7 +2507,7 @@
           <a:p>
             <a:fld id="{B2BA04CD-E4C4-AC47-ADBA-159240DACBC7}" type="datetimeFigureOut">
               <a:rPr lang="en-US" smtClean="0"/>
-              <a:t>26/10/18</a:t>
+              <a:t>28/10/18</a:t>
             </a:fld>
             <a:endParaRPr lang="en-US"/>
           </a:p>
@@ -2720,7 +2720,7 @@
           <a:p>
             <a:fld id="{B2BA04CD-E4C4-AC47-ADBA-159240DACBC7}" type="datetimeFigureOut">
               <a:rPr lang="en-US" smtClean="0"/>
-              <a:t>26/10/18</a:t>
+              <a:t>28/10/18</a:t>
             </a:fld>
             <a:endParaRPr lang="en-US"/>
           </a:p>
@@ -3146,7 +3146,27 @@
                 <a:latin typeface="PT Sans"/>
                 <a:cs typeface="PT Sans"/>
               </a:rPr>
-              <a:t>	Stock Name			Shares		Price			Total</a:t>
+              <a:t>	Stock Name	</a:t>
+            </a:r>
+            <a:r>
+              <a:rPr lang="en-US" sz="1600" dirty="0" smtClean="0">
+                <a:solidFill>
+                  <a:schemeClr val="tx1"/>
+                </a:solidFill>
+                <a:latin typeface="PT Sans"/>
+                <a:cs typeface="PT Sans"/>
+              </a:rPr>
+              <a:t>Sector</a:t>
+            </a:r>
+            <a:r>
+              <a:rPr lang="en-US" sz="1600" dirty="0" smtClean="0">
+                <a:solidFill>
+                  <a:schemeClr val="tx1"/>
+                </a:solidFill>
+                <a:latin typeface="PT Sans"/>
+                <a:cs typeface="PT Sans"/>
+              </a:rPr>
+              <a:t>		Shares		Price			Total</a:t>
             </a:r>
           </a:p>
           <a:p>
@@ -3189,7 +3209,47 @@
                 <a:latin typeface="PT Sans"/>
                 <a:cs typeface="PT Sans"/>
               </a:rPr>
-              <a:t>				400			$2.10			$840.00</a:t>
+              <a:t>		</a:t>
+            </a:r>
+            <a:r>
+              <a:rPr lang="en-US" sz="1200" dirty="0" smtClean="0">
+                <a:solidFill>
+                  <a:schemeClr val="tx1"/>
+                </a:solidFill>
+                <a:latin typeface="PT Sans"/>
+                <a:cs typeface="PT Sans"/>
+              </a:rPr>
+              <a:t>Technology</a:t>
+            </a:r>
+            <a:r>
+              <a:rPr lang="en-US" sz="1200" dirty="0" smtClean="0">
+                <a:solidFill>
+                  <a:schemeClr val="tx1"/>
+                </a:solidFill>
+                <a:latin typeface="PT Sans"/>
+                <a:cs typeface="PT Sans"/>
+              </a:rPr>
+              <a:t>	</a:t>
+            </a:r>
+            <a:r>
+              <a:rPr lang="en-US" sz="1200" dirty="0" smtClean="0">
+                <a:solidFill>
+                  <a:schemeClr val="tx1"/>
+                </a:solidFill>
+                <a:latin typeface="PT Sans"/>
+                <a:cs typeface="PT Sans"/>
+              </a:rPr>
+              <a:t>	400</a:t>
+            </a:r>
+            <a:r>
+              <a:rPr lang="en-US" sz="1200" dirty="0" smtClean="0">
+                <a:solidFill>
+                  <a:schemeClr val="tx1"/>
+                </a:solidFill>
+                <a:latin typeface="PT Sans"/>
+                <a:cs typeface="PT Sans"/>
+              </a:rPr>
+              <a:t>			$2.10			$840.00</a:t>
             </a:r>
             <a:endParaRPr lang="en-US" sz="1200" dirty="0">
               <a:solidFill>
